--- a/Week30 GNN relative works.pptx
+++ b/Week30 GNN relative works.pptx
@@ -10,6 +10,7 @@
     <p:sldId id="259" r:id="rId4"/>
     <p:sldId id="260" r:id="rId5"/>
     <p:sldId id="261" r:id="rId6"/>
+    <p:sldId id="262" r:id="rId7"/>
   </p:sldIdLst>
   <p:sldSz cx="12192000" cy="6858000"/>
   <p:notesSz cx="6858000" cy="9144000"/>
@@ -374,6 +375,109 @@
           </pc:sldLayoutMkLst>
         </pc:sldLayoutChg>
       </pc:sldMasterChg>
+    </pc:docChg>
+  </pc:docChgLst>
+  <pc:docChgLst>
+    <pc:chgData name="BRYANT MAKE" userId="1bf0b19fd3cee7b2" providerId="LiveId" clId="{8605CD8D-A670-4E18-AACE-CAF1CCCCC81C}"/>
+    <pc:docChg chg="undo custSel addSld delSld modSld">
+      <pc:chgData name="BRYANT MAKE" userId="1bf0b19fd3cee7b2" providerId="LiveId" clId="{8605CD8D-A670-4E18-AACE-CAF1CCCCC81C}" dt="2024-07-15T01:23:17.288" v="164" actId="47"/>
+      <pc:docMkLst>
+        <pc:docMk/>
+      </pc:docMkLst>
+      <pc:sldChg chg="addSp delSp modSp new mod">
+        <pc:chgData name="BRYANT MAKE" userId="1bf0b19fd3cee7b2" providerId="LiveId" clId="{8605CD8D-A670-4E18-AACE-CAF1CCCCC81C}" dt="2024-07-09T04:11:05.922" v="17" actId="1076"/>
+        <pc:sldMkLst>
+          <pc:docMk/>
+          <pc:sldMk cId="1046452815" sldId="262"/>
+        </pc:sldMkLst>
+        <pc:spChg chg="del">
+          <ac:chgData name="BRYANT MAKE" userId="1bf0b19fd3cee7b2" providerId="LiveId" clId="{8605CD8D-A670-4E18-AACE-CAF1CCCCC81C}" dt="2024-07-09T04:10:24.151" v="1" actId="478"/>
+          <ac:spMkLst>
+            <pc:docMk/>
+            <pc:sldMk cId="1046452815" sldId="262"/>
+            <ac:spMk id="2" creationId="{9A9DD312-CA75-4B42-B00A-76D835F922D3}"/>
+          </ac:spMkLst>
+        </pc:spChg>
+        <pc:spChg chg="del">
+          <ac:chgData name="BRYANT MAKE" userId="1bf0b19fd3cee7b2" providerId="LiveId" clId="{8605CD8D-A670-4E18-AACE-CAF1CCCCC81C}" dt="2024-07-09T04:10:24.151" v="1" actId="478"/>
+          <ac:spMkLst>
+            <pc:docMk/>
+            <pc:sldMk cId="1046452815" sldId="262"/>
+            <ac:spMk id="3" creationId="{B417F13A-7B0D-425A-ABBB-B9D7C518F4B7}"/>
+          </ac:spMkLst>
+        </pc:spChg>
+        <pc:spChg chg="add mod">
+          <ac:chgData name="BRYANT MAKE" userId="1bf0b19fd3cee7b2" providerId="LiveId" clId="{8605CD8D-A670-4E18-AACE-CAF1CCCCC81C}" dt="2024-07-09T04:10:37.747" v="8" actId="20577"/>
+          <ac:spMkLst>
+            <pc:docMk/>
+            <pc:sldMk cId="1046452815" sldId="262"/>
+            <ac:spMk id="4" creationId="{738C3D57-3B43-455C-8C14-7DC44F4BF69B}"/>
+          </ac:spMkLst>
+        </pc:spChg>
+        <pc:picChg chg="add mod">
+          <ac:chgData name="BRYANT MAKE" userId="1bf0b19fd3cee7b2" providerId="LiveId" clId="{8605CD8D-A670-4E18-AACE-CAF1CCCCC81C}" dt="2024-07-09T04:10:49.882" v="12" actId="1076"/>
+          <ac:picMkLst>
+            <pc:docMk/>
+            <pc:sldMk cId="1046452815" sldId="262"/>
+            <ac:picMk id="6" creationId="{FBB07444-4A8B-433D-9FF7-20C7D142D5C5}"/>
+          </ac:picMkLst>
+        </pc:picChg>
+        <pc:picChg chg="add mod">
+          <ac:chgData name="BRYANT MAKE" userId="1bf0b19fd3cee7b2" providerId="LiveId" clId="{8605CD8D-A670-4E18-AACE-CAF1CCCCC81C}" dt="2024-07-09T04:11:05.922" v="17" actId="1076"/>
+          <ac:picMkLst>
+            <pc:docMk/>
+            <pc:sldMk cId="1046452815" sldId="262"/>
+            <ac:picMk id="8" creationId="{039D6D62-F812-4C97-9793-E538F559898E}"/>
+          </ac:picMkLst>
+        </pc:picChg>
+      </pc:sldChg>
+      <pc:sldChg chg="addSp delSp modSp new del mod">
+        <pc:chgData name="BRYANT MAKE" userId="1bf0b19fd3cee7b2" providerId="LiveId" clId="{8605CD8D-A670-4E18-AACE-CAF1CCCCC81C}" dt="2024-07-15T01:23:17.288" v="164" actId="47"/>
+        <pc:sldMkLst>
+          <pc:docMk/>
+          <pc:sldMk cId="1931462017" sldId="263"/>
+        </pc:sldMkLst>
+        <pc:spChg chg="del">
+          <ac:chgData name="BRYANT MAKE" userId="1bf0b19fd3cee7b2" providerId="LiveId" clId="{8605CD8D-A670-4E18-AACE-CAF1CCCCC81C}" dt="2024-07-15T01:16:27.680" v="19" actId="478"/>
+          <ac:spMkLst>
+            <pc:docMk/>
+            <pc:sldMk cId="1931462017" sldId="263"/>
+            <ac:spMk id="2" creationId="{DB8A75B9-6967-4AF8-98D8-64C0F3D67E9A}"/>
+          </ac:spMkLst>
+        </pc:spChg>
+        <pc:spChg chg="del">
+          <ac:chgData name="BRYANT MAKE" userId="1bf0b19fd3cee7b2" providerId="LiveId" clId="{8605CD8D-A670-4E18-AACE-CAF1CCCCC81C}" dt="2024-07-15T01:16:27.680" v="19" actId="478"/>
+          <ac:spMkLst>
+            <pc:docMk/>
+            <pc:sldMk cId="1931462017" sldId="263"/>
+            <ac:spMk id="3" creationId="{C34AF71B-28A8-48CE-9B33-7DDF40EF7174}"/>
+          </ac:spMkLst>
+        </pc:spChg>
+        <pc:spChg chg="add mod">
+          <ac:chgData name="BRYANT MAKE" userId="1bf0b19fd3cee7b2" providerId="LiveId" clId="{8605CD8D-A670-4E18-AACE-CAF1CCCCC81C}" dt="2024-07-15T01:16:53.836" v="56" actId="20577"/>
+          <ac:spMkLst>
+            <pc:docMk/>
+            <pc:sldMk cId="1931462017" sldId="263"/>
+            <ac:spMk id="4" creationId="{8ACFEEBE-B05E-4372-9501-8A86F78B75C3}"/>
+          </ac:spMkLst>
+        </pc:spChg>
+        <pc:spChg chg="add mod">
+          <ac:chgData name="BRYANT MAKE" userId="1bf0b19fd3cee7b2" providerId="LiveId" clId="{8605CD8D-A670-4E18-AACE-CAF1CCCCC81C}" dt="2024-07-15T01:22:04.193" v="163" actId="20577"/>
+          <ac:spMkLst>
+            <pc:docMk/>
+            <pc:sldMk cId="1931462017" sldId="263"/>
+            <ac:spMk id="7" creationId="{26693002-C2A0-4482-BE5C-CC70560725CD}"/>
+          </ac:spMkLst>
+        </pc:spChg>
+        <pc:picChg chg="add mod">
+          <ac:chgData name="BRYANT MAKE" userId="1bf0b19fd3cee7b2" providerId="LiveId" clId="{8605CD8D-A670-4E18-AACE-CAF1CCCCC81C}" dt="2024-07-15T01:17:39.980" v="61" actId="1076"/>
+          <ac:picMkLst>
+            <pc:docMk/>
+            <pc:sldMk cId="1931462017" sldId="263"/>
+            <ac:picMk id="6" creationId="{612A7F7F-1A3B-4328-825D-392E2088AC40}"/>
+          </ac:picMkLst>
+        </pc:picChg>
+      </pc:sldChg>
     </pc:docChg>
   </pc:docChgLst>
 </pc:chgInfo>
@@ -1533,6 +1637,138 @@
 </p:sld>
 </file>
 
+<file path=ppt/slides/slide6.xml><?xml version="1.0" encoding="utf-8"?>
+<p:sld xmlns:a="http://schemas.openxmlformats.org/drawingml/2006/main" xmlns:r="http://schemas.openxmlformats.org/officeDocument/2006/relationships" xmlns:p="http://schemas.openxmlformats.org/presentationml/2006/main">
+  <p:cSld>
+    <p:spTree>
+      <p:nvGrpSpPr>
+        <p:cNvPr id="1" name=""/>
+        <p:cNvGrpSpPr/>
+        <p:nvPr/>
+      </p:nvGrpSpPr>
+      <p:grpSpPr>
+        <a:xfrm>
+          <a:off x="0" y="0"/>
+          <a:ext cx="0" cy="0"/>
+          <a:chOff x="0" y="0"/>
+          <a:chExt cx="0" cy="0"/>
+        </a:xfrm>
+      </p:grpSpPr>
+      <p:sp>
+        <p:nvSpPr>
+          <p:cNvPr id="4" name="文本框 3">
+            <a:extLst>
+              <a:ext uri="{FF2B5EF4-FFF2-40B4-BE49-F238E27FC236}">
+                <a16:creationId xmlns:a16="http://schemas.microsoft.com/office/drawing/2014/main" id="{738C3D57-3B43-455C-8C14-7DC44F4BF69B}"/>
+              </a:ext>
+            </a:extLst>
+          </p:cNvPr>
+          <p:cNvSpPr txBox="1"/>
+          <p:nvPr/>
+        </p:nvSpPr>
+        <p:spPr>
+          <a:xfrm>
+            <a:off x="228599" y="144379"/>
+            <a:ext cx="8610601" cy="369332"/>
+          </a:xfrm>
+          <a:prstGeom prst="rect">
+            <a:avLst/>
+          </a:prstGeom>
+          <a:noFill/>
+        </p:spPr>
+        <p:txBody>
+          <a:bodyPr wrap="square" rtlCol="0">
+            <a:spAutoFit/>
+          </a:bodyPr>
+          <a:lstStyle/>
+          <a:p>
+            <a:r>
+              <a:rPr lang="en-US" altLang="zh-CN" dirty="0">
+                <a:latin typeface="Times New Roman" panose="02020603050405020304" pitchFamily="18" charset="0"/>
+                <a:cs typeface="Times New Roman" panose="02020603050405020304" pitchFamily="18" charset="0"/>
+              </a:rPr>
+              <a:t>FC-GNN: Recovering Reliable and Accurate Correspondences from Interferences</a:t>
+            </a:r>
+            <a:endParaRPr lang="zh-CN" altLang="en-US" dirty="0">
+              <a:latin typeface="Times New Roman" panose="02020603050405020304" pitchFamily="18" charset="0"/>
+              <a:cs typeface="Times New Roman" panose="02020603050405020304" pitchFamily="18" charset="0"/>
+            </a:endParaRPr>
+          </a:p>
+        </p:txBody>
+      </p:sp>
+      <p:pic>
+        <p:nvPicPr>
+          <p:cNvPr id="6" name="图片 5">
+            <a:extLst>
+              <a:ext uri="{FF2B5EF4-FFF2-40B4-BE49-F238E27FC236}">
+                <a16:creationId xmlns:a16="http://schemas.microsoft.com/office/drawing/2014/main" id="{FBB07444-4A8B-433D-9FF7-20C7D142D5C5}"/>
+              </a:ext>
+            </a:extLst>
+          </p:cNvPr>
+          <p:cNvPicPr>
+            <a:picLocks noChangeAspect="1"/>
+          </p:cNvPicPr>
+          <p:nvPr/>
+        </p:nvPicPr>
+        <p:blipFill>
+          <a:blip r:embed="rId2"/>
+          <a:stretch>
+            <a:fillRect/>
+          </a:stretch>
+        </p:blipFill>
+        <p:spPr>
+          <a:xfrm>
+            <a:off x="560235" y="984728"/>
+            <a:ext cx="2904548" cy="2296355"/>
+          </a:xfrm>
+          <a:prstGeom prst="rect">
+            <a:avLst/>
+          </a:prstGeom>
+        </p:spPr>
+      </p:pic>
+      <p:pic>
+        <p:nvPicPr>
+          <p:cNvPr id="8" name="图片 7">
+            <a:extLst>
+              <a:ext uri="{FF2B5EF4-FFF2-40B4-BE49-F238E27FC236}">
+                <a16:creationId xmlns:a16="http://schemas.microsoft.com/office/drawing/2014/main" id="{039D6D62-F812-4C97-9793-E538F559898E}"/>
+              </a:ext>
+            </a:extLst>
+          </p:cNvPr>
+          <p:cNvPicPr>
+            <a:picLocks noChangeAspect="1"/>
+          </p:cNvPicPr>
+          <p:nvPr/>
+        </p:nvPicPr>
+        <p:blipFill>
+          <a:blip r:embed="rId3"/>
+          <a:stretch>
+            <a:fillRect/>
+          </a:stretch>
+        </p:blipFill>
+        <p:spPr>
+          <a:xfrm>
+            <a:off x="3874700" y="984728"/>
+            <a:ext cx="7553901" cy="2959182"/>
+          </a:xfrm>
+          <a:prstGeom prst="rect">
+            <a:avLst/>
+          </a:prstGeom>
+        </p:spPr>
+      </p:pic>
+    </p:spTree>
+    <p:extLst>
+      <p:ext uri="{BB962C8B-B14F-4D97-AF65-F5344CB8AC3E}">
+        <p14:creationId xmlns:p14="http://schemas.microsoft.com/office/powerpoint/2010/main" val="1046452815"/>
+      </p:ext>
+    </p:extLst>
+  </p:cSld>
+  <p:clrMapOvr>
+    <a:masterClrMapping/>
+  </p:clrMapOvr>
+</p:sld>
+</file>
+
 <file path=ppt/theme/theme1.xml><?xml version="1.0" encoding="utf-8"?>
 <a:theme xmlns:a="http://schemas.openxmlformats.org/drawingml/2006/main" name="Office 主题​​">
   <a:themeElements>
